--- a/Daily Agendas/Day7.5_VirusPresentation.pptx
+++ b/Daily Agendas/Day7.5_VirusPresentation.pptx
@@ -7,11 +7,12 @@
   <p:sldIdLst>
     <p:sldId id="256" r:id="rId2"/>
     <p:sldId id="265" r:id="rId3"/>
-    <p:sldId id="267" r:id="rId4"/>
-    <p:sldId id="268" r:id="rId5"/>
-    <p:sldId id="269" r:id="rId6"/>
-    <p:sldId id="270" r:id="rId7"/>
-    <p:sldId id="271" r:id="rId8"/>
+    <p:sldId id="272" r:id="rId4"/>
+    <p:sldId id="267" r:id="rId5"/>
+    <p:sldId id="268" r:id="rId6"/>
+    <p:sldId id="269" r:id="rId7"/>
+    <p:sldId id="270" r:id="rId8"/>
+    <p:sldId id="271" r:id="rId9"/>
   </p:sldIdLst>
   <p:sldSz cx="9144000" cy="6858000" type="screen4x3"/>
   <p:notesSz cx="6858000" cy="9144000"/>
@@ -3253,10 +3254,6 @@
               <a:rPr lang="en-US" dirty="0"/>
               <a:t>C.4 Virus Presentation– Oct 19</a:t>
             </a:r>
-            <a:r>
-              <a:rPr lang="en-US" dirty="0"/>
-              <a:t/>
-            </a:r>
             <a:br>
               <a:rPr lang="en-US" dirty="0"/>
             </a:br>
@@ -3316,11 +3313,7 @@
             <a:pPr lvl="1"/>
             <a:r>
               <a:rPr lang="en-CA" dirty="0" smtClean="0"/>
-              <a:t>Student Database Code </a:t>
-            </a:r>
-            <a:r>
-              <a:rPr lang="en-CA" dirty="0" smtClean="0"/>
-              <a:t>Integration</a:t>
+              <a:t>Student Database Code Integration</a:t>
             </a:r>
           </a:p>
           <a:p>
@@ -3411,6 +3404,917 @@
 </file>
 
 <file path=ppt/slides/slide3.xml><?xml version="1.0" encoding="utf-8"?>
+<p:sld xmlns:a="http://schemas.openxmlformats.org/drawingml/2006/main" xmlns:r="http://schemas.openxmlformats.org/officeDocument/2006/relationships" xmlns:p="http://schemas.openxmlformats.org/presentationml/2006/main">
+  <p:cSld>
+    <p:spTree>
+      <p:nvGrpSpPr>
+        <p:cNvPr id="1" name=""/>
+        <p:cNvGrpSpPr/>
+        <p:nvPr/>
+      </p:nvGrpSpPr>
+      <p:grpSpPr>
+        <a:xfrm>
+          <a:off x="0" y="0"/>
+          <a:ext cx="0" cy="0"/>
+          <a:chOff x="0" y="0"/>
+          <a:chExt cx="0" cy="0"/>
+        </a:xfrm>
+      </p:grpSpPr>
+      <p:sp>
+        <p:nvSpPr>
+          <p:cNvPr id="2" name="Title 1"/>
+          <p:cNvSpPr>
+            <a:spLocks noGrp="1"/>
+          </p:cNvSpPr>
+          <p:nvPr>
+            <p:ph type="title"/>
+          </p:nvPr>
+        </p:nvSpPr>
+        <p:spPr/>
+        <p:txBody>
+          <a:bodyPr/>
+          <a:lstStyle/>
+          <a:p>
+            <a:r>
+              <a:rPr lang="en-CA" dirty="0" smtClean="0"/>
+              <a:t>Virus Topic Assignments</a:t>
+            </a:r>
+            <a:endParaRPr lang="en-US" dirty="0"/>
+          </a:p>
+        </p:txBody>
+      </p:sp>
+      <p:sp>
+        <p:nvSpPr>
+          <p:cNvPr id="3" name="Content Placeholder 2"/>
+          <p:cNvSpPr>
+            <a:spLocks noGrp="1"/>
+          </p:cNvSpPr>
+          <p:nvPr>
+            <p:ph idx="1"/>
+          </p:nvPr>
+        </p:nvSpPr>
+        <p:spPr>
+          <a:xfrm>
+            <a:off x="457200" y="1600200"/>
+            <a:ext cx="4038600" cy="4953000"/>
+          </a:xfrm>
+        </p:spPr>
+        <p:txBody>
+          <a:bodyPr>
+            <a:normAutofit fontScale="40000" lnSpcReduction="20000"/>
+          </a:bodyPr>
+          <a:lstStyle/>
+          <a:p>
+            <a:pPr marL="0" lvl="0" indent="0">
+              <a:buNone/>
+            </a:pPr>
+            <a:r>
+              <a:rPr lang="en-US" sz="3500" b="1" u="sng" dirty="0" smtClean="0"/>
+              <a:t>ISC3C – Grade 11</a:t>
+            </a:r>
+          </a:p>
+          <a:p>
+            <a:pPr marL="0" lvl="0" indent="0">
+              <a:buNone/>
+            </a:pPr>
+            <a:endParaRPr lang="en-US" sz="3500" b="1" u="sng" dirty="0" smtClean="0"/>
+          </a:p>
+          <a:p>
+            <a:pPr marL="514350" lvl="0" indent="-514350">
+              <a:buFont typeface="+mj-lt"/>
+              <a:buAutoNum type="arabicPeriod"/>
+            </a:pPr>
+            <a:r>
+              <a:rPr lang="en-US" dirty="0" smtClean="0"/>
+              <a:t>CIH </a:t>
+            </a:r>
+            <a:r>
+              <a:rPr lang="en-US" dirty="0"/>
+              <a:t>Virus – </a:t>
+            </a:r>
+            <a:r>
+              <a:rPr lang="en-US" dirty="0" smtClean="0"/>
+              <a:t>1998 - </a:t>
+            </a:r>
+            <a:r>
+              <a:rPr lang="en-US" dirty="0" err="1" smtClean="0">
+                <a:solidFill>
+                  <a:srgbClr val="FF0000"/>
+                </a:solidFill>
+              </a:rPr>
+              <a:t>Ayub</a:t>
+            </a:r>
+            <a:r>
+              <a:rPr lang="en-US" dirty="0"/>
+              <a:t/>
+            </a:r>
+            <a:br>
+              <a:rPr lang="en-US" dirty="0"/>
+            </a:br>
+            <a:endParaRPr lang="en-US" dirty="0"/>
+          </a:p>
+          <a:p>
+            <a:pPr marL="514350" lvl="0" indent="-514350">
+              <a:buFont typeface="+mj-lt"/>
+              <a:buAutoNum type="arabicPeriod"/>
+            </a:pPr>
+            <a:r>
+              <a:rPr lang="en-US" dirty="0"/>
+              <a:t>Melissa Worm – 1999</a:t>
+            </a:r>
+            <a:br>
+              <a:rPr lang="en-US" dirty="0"/>
+            </a:br>
+            <a:endParaRPr lang="en-US" dirty="0"/>
+          </a:p>
+          <a:p>
+            <a:pPr marL="514350" lvl="0" indent="-514350">
+              <a:buFont typeface="+mj-lt"/>
+              <a:buAutoNum type="arabicPeriod"/>
+            </a:pPr>
+            <a:r>
+              <a:rPr lang="en-US" dirty="0"/>
+              <a:t>Code Red Worm – 2001</a:t>
+            </a:r>
+            <a:br>
+              <a:rPr lang="en-US" dirty="0"/>
+            </a:br>
+            <a:endParaRPr lang="en-US" dirty="0"/>
+          </a:p>
+          <a:p>
+            <a:pPr marL="514350" lvl="0" indent="-514350">
+              <a:buFont typeface="+mj-lt"/>
+              <a:buAutoNum type="arabicPeriod"/>
+            </a:pPr>
+            <a:r>
+              <a:rPr lang="en-US" dirty="0"/>
+              <a:t>Slammer Worm – </a:t>
+            </a:r>
+            <a:r>
+              <a:rPr lang="en-US" dirty="0" smtClean="0"/>
+              <a:t>2003 - </a:t>
+            </a:r>
+            <a:r>
+              <a:rPr lang="en-US" dirty="0" smtClean="0">
+                <a:solidFill>
+                  <a:srgbClr val="FF0000"/>
+                </a:solidFill>
+              </a:rPr>
+              <a:t>Darren</a:t>
+            </a:r>
+            <a:r>
+              <a:rPr lang="en-US" dirty="0"/>
+              <a:t/>
+            </a:r>
+            <a:br>
+              <a:rPr lang="en-US" dirty="0"/>
+            </a:br>
+            <a:endParaRPr lang="en-US" dirty="0"/>
+          </a:p>
+          <a:p>
+            <a:pPr marL="514350" lvl="0" indent="-514350">
+              <a:buFont typeface="+mj-lt"/>
+              <a:buAutoNum type="arabicPeriod"/>
+            </a:pPr>
+            <a:r>
+              <a:rPr lang="en-US" dirty="0" err="1"/>
+              <a:t>SoBig.F</a:t>
+            </a:r>
+            <a:r>
+              <a:rPr lang="en-US" dirty="0"/>
+              <a:t> Worm – </a:t>
+            </a:r>
+            <a:r>
+              <a:rPr lang="en-US" dirty="0" smtClean="0"/>
+              <a:t>2003 - </a:t>
+            </a:r>
+            <a:r>
+              <a:rPr lang="en-US" dirty="0" err="1" smtClean="0">
+                <a:solidFill>
+                  <a:srgbClr val="FF0000"/>
+                </a:solidFill>
+              </a:rPr>
+              <a:t>Parmit</a:t>
+            </a:r>
+            <a:r>
+              <a:rPr lang="en-US" dirty="0"/>
+              <a:t/>
+            </a:r>
+            <a:br>
+              <a:rPr lang="en-US" dirty="0"/>
+            </a:br>
+            <a:endParaRPr lang="en-US" dirty="0"/>
+          </a:p>
+          <a:p>
+            <a:pPr marL="514350" lvl="0" indent="-514350">
+              <a:buFont typeface="+mj-lt"/>
+              <a:buAutoNum type="arabicPeriod"/>
+            </a:pPr>
+            <a:r>
+              <a:rPr lang="en-US" dirty="0"/>
+              <a:t>My Doom Worm – </a:t>
+            </a:r>
+            <a:r>
+              <a:rPr lang="en-US" dirty="0" smtClean="0"/>
+              <a:t>2004 - </a:t>
+            </a:r>
+            <a:r>
+              <a:rPr lang="en-US" dirty="0" err="1" smtClean="0">
+                <a:solidFill>
+                  <a:srgbClr val="FF0000"/>
+                </a:solidFill>
+              </a:rPr>
+              <a:t>Navdeep</a:t>
+            </a:r>
+            <a:r>
+              <a:rPr lang="en-US" dirty="0"/>
+              <a:t/>
+            </a:r>
+            <a:br>
+              <a:rPr lang="en-US" dirty="0"/>
+            </a:br>
+            <a:endParaRPr lang="en-US" dirty="0"/>
+          </a:p>
+          <a:p>
+            <a:pPr marL="514350" lvl="0" indent="-514350">
+              <a:buFont typeface="+mj-lt"/>
+              <a:buAutoNum type="arabicPeriod"/>
+            </a:pPr>
+            <a:r>
+              <a:rPr lang="en-US" dirty="0" err="1"/>
+              <a:t>Stuxnet</a:t>
+            </a:r>
+            <a:r>
+              <a:rPr lang="en-US" dirty="0"/>
+              <a:t> Worm – </a:t>
+            </a:r>
+            <a:r>
+              <a:rPr lang="en-US" dirty="0" smtClean="0"/>
+              <a:t>2010 - </a:t>
+            </a:r>
+            <a:r>
+              <a:rPr lang="en-US" dirty="0" err="1" smtClean="0">
+                <a:solidFill>
+                  <a:srgbClr val="FF0000"/>
+                </a:solidFill>
+              </a:rPr>
+              <a:t>SukRaj</a:t>
+            </a:r>
+            <a:r>
+              <a:rPr lang="en-US" dirty="0"/>
+              <a:t/>
+            </a:r>
+            <a:br>
+              <a:rPr lang="en-US" dirty="0"/>
+            </a:br>
+            <a:endParaRPr lang="en-US" dirty="0"/>
+          </a:p>
+          <a:p>
+            <a:pPr marL="514350" lvl="0" indent="-514350">
+              <a:buFont typeface="+mj-lt"/>
+              <a:buAutoNum type="arabicPeriod"/>
+            </a:pPr>
+            <a:r>
+              <a:rPr lang="en-US" dirty="0" err="1"/>
+              <a:t>Cryptolocker</a:t>
+            </a:r>
+            <a:r>
+              <a:rPr lang="en-US" dirty="0"/>
+              <a:t> Trojan – </a:t>
+            </a:r>
+            <a:r>
+              <a:rPr lang="en-US" dirty="0" smtClean="0"/>
+              <a:t>2013 - </a:t>
+            </a:r>
+            <a:r>
+              <a:rPr lang="en-US" dirty="0" smtClean="0">
+                <a:solidFill>
+                  <a:srgbClr val="FF0000"/>
+                </a:solidFill>
+              </a:rPr>
+              <a:t>Rickey</a:t>
+            </a:r>
+            <a:r>
+              <a:rPr lang="en-US" dirty="0"/>
+              <a:t/>
+            </a:r>
+            <a:br>
+              <a:rPr lang="en-US" dirty="0"/>
+            </a:br>
+            <a:endParaRPr lang="en-US" dirty="0"/>
+          </a:p>
+          <a:p>
+            <a:pPr marL="514350" lvl="0" indent="-514350">
+              <a:buFont typeface="+mj-lt"/>
+              <a:buAutoNum type="arabicPeriod"/>
+            </a:pPr>
+            <a:r>
+              <a:rPr lang="en-US" dirty="0" err="1"/>
+              <a:t>ZeroAccess</a:t>
+            </a:r>
+            <a:r>
+              <a:rPr lang="en-US" dirty="0"/>
+              <a:t> Botnet – </a:t>
+            </a:r>
+            <a:r>
+              <a:rPr lang="en-US" dirty="0" smtClean="0"/>
+              <a:t>2013 - </a:t>
+            </a:r>
+            <a:r>
+              <a:rPr lang="en-US" dirty="0" smtClean="0">
+                <a:solidFill>
+                  <a:srgbClr val="FF0000"/>
+                </a:solidFill>
+              </a:rPr>
+              <a:t>Ethan</a:t>
+            </a:r>
+            <a:r>
+              <a:rPr lang="en-US" dirty="0"/>
+              <a:t/>
+            </a:r>
+            <a:br>
+              <a:rPr lang="en-US" dirty="0"/>
+            </a:br>
+            <a:endParaRPr lang="en-US" dirty="0"/>
+          </a:p>
+          <a:p>
+            <a:pPr marL="514350" lvl="0" indent="-514350">
+              <a:buFont typeface="+mj-lt"/>
+              <a:buAutoNum type="arabicPeriod"/>
+            </a:pPr>
+            <a:r>
+              <a:rPr lang="en-US" dirty="0" err="1"/>
+              <a:t>Superfish</a:t>
+            </a:r>
+            <a:r>
+              <a:rPr lang="en-US" dirty="0"/>
+              <a:t> Adware – </a:t>
+            </a:r>
+            <a:r>
+              <a:rPr lang="en-US" dirty="0" smtClean="0"/>
+              <a:t>2014 - </a:t>
+            </a:r>
+            <a:r>
+              <a:rPr lang="en-US" dirty="0" err="1" smtClean="0">
+                <a:solidFill>
+                  <a:srgbClr val="FF0000"/>
+                </a:solidFill>
+              </a:rPr>
+              <a:t>Harkushal</a:t>
+            </a:r>
+            <a:r>
+              <a:rPr lang="en-US" dirty="0"/>
+              <a:t/>
+            </a:r>
+            <a:br>
+              <a:rPr lang="en-US" dirty="0"/>
+            </a:br>
+            <a:endParaRPr lang="en-US" dirty="0"/>
+          </a:p>
+          <a:p>
+            <a:pPr marL="514350" lvl="0" indent="-514350">
+              <a:buFont typeface="+mj-lt"/>
+              <a:buAutoNum type="arabicPeriod"/>
+            </a:pPr>
+            <a:r>
+              <a:rPr lang="en-US" dirty="0" err="1"/>
+              <a:t>Locky</a:t>
+            </a:r>
+            <a:r>
+              <a:rPr lang="en-US" dirty="0"/>
+              <a:t> </a:t>
+            </a:r>
+            <a:r>
+              <a:rPr lang="en-US" dirty="0" err="1"/>
+              <a:t>Ransomware</a:t>
+            </a:r>
+            <a:r>
+              <a:rPr lang="en-US" dirty="0"/>
+              <a:t> – </a:t>
+            </a:r>
+            <a:r>
+              <a:rPr lang="en-US" dirty="0" smtClean="0"/>
+              <a:t>2016 - </a:t>
+            </a:r>
+            <a:r>
+              <a:rPr lang="en-US" dirty="0" err="1" smtClean="0">
+                <a:solidFill>
+                  <a:srgbClr val="FF0000"/>
+                </a:solidFill>
+              </a:rPr>
+              <a:t>Habusan</a:t>
+            </a:r>
+            <a:r>
+              <a:rPr lang="en-US" dirty="0"/>
+              <a:t/>
+            </a:r>
+            <a:br>
+              <a:rPr lang="en-US" dirty="0"/>
+            </a:br>
+            <a:endParaRPr lang="en-US" dirty="0"/>
+          </a:p>
+          <a:p>
+            <a:pPr marL="514350" lvl="0" indent="-514350">
+              <a:buFont typeface="+mj-lt"/>
+              <a:buAutoNum type="arabicPeriod"/>
+            </a:pPr>
+            <a:r>
+              <a:rPr lang="en-US" dirty="0" err="1"/>
+              <a:t>WannaCry</a:t>
+            </a:r>
+            <a:r>
+              <a:rPr lang="en-US" dirty="0"/>
+              <a:t> </a:t>
+            </a:r>
+            <a:r>
+              <a:rPr lang="en-US" dirty="0" err="1"/>
+              <a:t>Ransomware</a:t>
+            </a:r>
+            <a:r>
+              <a:rPr lang="en-US" dirty="0"/>
+              <a:t> </a:t>
+            </a:r>
+            <a:r>
+              <a:rPr lang="en-US" dirty="0" smtClean="0"/>
+              <a:t>– 2017 - </a:t>
+            </a:r>
+            <a:r>
+              <a:rPr lang="en-US" dirty="0" smtClean="0">
+                <a:solidFill>
+                  <a:srgbClr val="FF0000"/>
+                </a:solidFill>
+              </a:rPr>
+              <a:t>James</a:t>
+            </a:r>
+            <a:endParaRPr lang="en-US" dirty="0">
+              <a:solidFill>
+                <a:srgbClr val="FF0000"/>
+              </a:solidFill>
+            </a:endParaRPr>
+          </a:p>
+          <a:p>
+            <a:endParaRPr lang="en-US" dirty="0"/>
+          </a:p>
+        </p:txBody>
+      </p:sp>
+      <p:sp>
+        <p:nvSpPr>
+          <p:cNvPr id="4" name="Content Placeholder 2"/>
+          <p:cNvSpPr txBox="1">
+            <a:spLocks/>
+          </p:cNvSpPr>
+          <p:nvPr/>
+        </p:nvSpPr>
+        <p:spPr>
+          <a:xfrm>
+            <a:off x="4648200" y="1600200"/>
+            <a:ext cx="3505200" cy="4953000"/>
+          </a:xfrm>
+          <a:prstGeom prst="rect">
+            <a:avLst/>
+          </a:prstGeom>
+        </p:spPr>
+        <p:txBody>
+          <a:bodyPr vert="horz" lIns="91440" tIns="45720" rIns="91440" bIns="45720" rtlCol="0">
+            <a:normAutofit fontScale="40000" lnSpcReduction="20000"/>
+          </a:bodyPr>
+          <a:lstStyle>
+            <a:lvl1pPr marL="342900" indent="-342900" algn="l" defTabSz="914400" rtl="0" eaLnBrk="1" latinLnBrk="0" hangingPunct="1">
+              <a:spcBef>
+                <a:spcPct val="20000"/>
+              </a:spcBef>
+              <a:buFont typeface="Arial" pitchFamily="34" charset="0"/>
+              <a:buChar char="•"/>
+              <a:defRPr sz="3200" kern="1200">
+                <a:solidFill>
+                  <a:schemeClr val="tx1"/>
+                </a:solidFill>
+                <a:latin typeface="+mn-lt"/>
+                <a:ea typeface="+mn-ea"/>
+                <a:cs typeface="+mn-cs"/>
+              </a:defRPr>
+            </a:lvl1pPr>
+            <a:lvl2pPr marL="742950" indent="-285750" algn="l" defTabSz="914400" rtl="0" eaLnBrk="1" latinLnBrk="0" hangingPunct="1">
+              <a:spcBef>
+                <a:spcPct val="20000"/>
+              </a:spcBef>
+              <a:buFont typeface="Arial" pitchFamily="34" charset="0"/>
+              <a:buChar char="–"/>
+              <a:defRPr sz="2800" kern="1200">
+                <a:solidFill>
+                  <a:schemeClr val="tx1"/>
+                </a:solidFill>
+                <a:latin typeface="+mn-lt"/>
+                <a:ea typeface="+mn-ea"/>
+                <a:cs typeface="+mn-cs"/>
+              </a:defRPr>
+            </a:lvl2pPr>
+            <a:lvl3pPr marL="1143000" indent="-228600" algn="l" defTabSz="914400" rtl="0" eaLnBrk="1" latinLnBrk="0" hangingPunct="1">
+              <a:spcBef>
+                <a:spcPct val="20000"/>
+              </a:spcBef>
+              <a:buFont typeface="Arial" pitchFamily="34" charset="0"/>
+              <a:buChar char="•"/>
+              <a:defRPr sz="2400" kern="1200">
+                <a:solidFill>
+                  <a:schemeClr val="tx1"/>
+                </a:solidFill>
+                <a:latin typeface="+mn-lt"/>
+                <a:ea typeface="+mn-ea"/>
+                <a:cs typeface="+mn-cs"/>
+              </a:defRPr>
+            </a:lvl3pPr>
+            <a:lvl4pPr marL="1600200" indent="-228600" algn="l" defTabSz="914400" rtl="0" eaLnBrk="1" latinLnBrk="0" hangingPunct="1">
+              <a:spcBef>
+                <a:spcPct val="20000"/>
+              </a:spcBef>
+              <a:buFont typeface="Arial" pitchFamily="34" charset="0"/>
+              <a:buChar char="–"/>
+              <a:defRPr sz="2000" kern="1200">
+                <a:solidFill>
+                  <a:schemeClr val="tx1"/>
+                </a:solidFill>
+                <a:latin typeface="+mn-lt"/>
+                <a:ea typeface="+mn-ea"/>
+                <a:cs typeface="+mn-cs"/>
+              </a:defRPr>
+            </a:lvl4pPr>
+            <a:lvl5pPr marL="2057400" indent="-228600" algn="l" defTabSz="914400" rtl="0" eaLnBrk="1" latinLnBrk="0" hangingPunct="1">
+              <a:spcBef>
+                <a:spcPct val="20000"/>
+              </a:spcBef>
+              <a:buFont typeface="Arial" pitchFamily="34" charset="0"/>
+              <a:buChar char="»"/>
+              <a:defRPr sz="2000" kern="1200">
+                <a:solidFill>
+                  <a:schemeClr val="tx1"/>
+                </a:solidFill>
+                <a:latin typeface="+mn-lt"/>
+                <a:ea typeface="+mn-ea"/>
+                <a:cs typeface="+mn-cs"/>
+              </a:defRPr>
+            </a:lvl5pPr>
+            <a:lvl6pPr marL="2514600" indent="-228600" algn="l" defTabSz="914400" rtl="0" eaLnBrk="1" latinLnBrk="0" hangingPunct="1">
+              <a:spcBef>
+                <a:spcPct val="20000"/>
+              </a:spcBef>
+              <a:buFont typeface="Arial" pitchFamily="34" charset="0"/>
+              <a:buChar char="•"/>
+              <a:defRPr sz="2000" kern="1200">
+                <a:solidFill>
+                  <a:schemeClr val="tx1"/>
+                </a:solidFill>
+                <a:latin typeface="+mn-lt"/>
+                <a:ea typeface="+mn-ea"/>
+                <a:cs typeface="+mn-cs"/>
+              </a:defRPr>
+            </a:lvl6pPr>
+            <a:lvl7pPr marL="2971800" indent="-228600" algn="l" defTabSz="914400" rtl="0" eaLnBrk="1" latinLnBrk="0" hangingPunct="1">
+              <a:spcBef>
+                <a:spcPct val="20000"/>
+              </a:spcBef>
+              <a:buFont typeface="Arial" pitchFamily="34" charset="0"/>
+              <a:buChar char="•"/>
+              <a:defRPr sz="2000" kern="1200">
+                <a:solidFill>
+                  <a:schemeClr val="tx1"/>
+                </a:solidFill>
+                <a:latin typeface="+mn-lt"/>
+                <a:ea typeface="+mn-ea"/>
+                <a:cs typeface="+mn-cs"/>
+              </a:defRPr>
+            </a:lvl7pPr>
+            <a:lvl8pPr marL="3429000" indent="-228600" algn="l" defTabSz="914400" rtl="0" eaLnBrk="1" latinLnBrk="0" hangingPunct="1">
+              <a:spcBef>
+                <a:spcPct val="20000"/>
+              </a:spcBef>
+              <a:buFont typeface="Arial" pitchFamily="34" charset="0"/>
+              <a:buChar char="•"/>
+              <a:defRPr sz="2000" kern="1200">
+                <a:solidFill>
+                  <a:schemeClr val="tx1"/>
+                </a:solidFill>
+                <a:latin typeface="+mn-lt"/>
+                <a:ea typeface="+mn-ea"/>
+                <a:cs typeface="+mn-cs"/>
+              </a:defRPr>
+            </a:lvl8pPr>
+            <a:lvl9pPr marL="3886200" indent="-228600" algn="l" defTabSz="914400" rtl="0" eaLnBrk="1" latinLnBrk="0" hangingPunct="1">
+              <a:spcBef>
+                <a:spcPct val="20000"/>
+              </a:spcBef>
+              <a:buFont typeface="Arial" pitchFamily="34" charset="0"/>
+              <a:buChar char="•"/>
+              <a:defRPr sz="2000" kern="1200">
+                <a:solidFill>
+                  <a:schemeClr val="tx1"/>
+                </a:solidFill>
+                <a:latin typeface="+mn-lt"/>
+                <a:ea typeface="+mn-ea"/>
+                <a:cs typeface="+mn-cs"/>
+              </a:defRPr>
+            </a:lvl9pPr>
+          </a:lstStyle>
+          <a:p>
+            <a:pPr marL="0" indent="0">
+              <a:buFont typeface="Arial" pitchFamily="34" charset="0"/>
+              <a:buNone/>
+            </a:pPr>
+            <a:r>
+              <a:rPr lang="en-US" sz="3500" b="1" u="sng" dirty="0" smtClean="0"/>
+              <a:t>ISC4C – Grade 12</a:t>
+            </a:r>
+          </a:p>
+          <a:p>
+            <a:pPr marL="0" indent="0">
+              <a:buFont typeface="Arial" pitchFamily="34" charset="0"/>
+              <a:buNone/>
+            </a:pPr>
+            <a:endParaRPr lang="en-US" sz="3500" b="1" u="sng" dirty="0" smtClean="0"/>
+          </a:p>
+          <a:p>
+            <a:pPr marL="514350" indent="-514350">
+              <a:buFont typeface="+mj-lt"/>
+              <a:buAutoNum type="arabicPeriod"/>
+            </a:pPr>
+            <a:r>
+              <a:rPr lang="en-US" dirty="0" smtClean="0"/>
+              <a:t>CIH Virus – 1998</a:t>
+            </a:r>
+            <a:br>
+              <a:rPr lang="en-US" dirty="0" smtClean="0"/>
+            </a:br>
+            <a:endParaRPr lang="en-US" dirty="0" smtClean="0"/>
+          </a:p>
+          <a:p>
+            <a:pPr marL="514350" indent="-514350">
+              <a:buFont typeface="+mj-lt"/>
+              <a:buAutoNum type="arabicPeriod"/>
+            </a:pPr>
+            <a:r>
+              <a:rPr lang="en-US" dirty="0" smtClean="0"/>
+              <a:t>Melissa Worm – 1999 - </a:t>
+            </a:r>
+            <a:r>
+              <a:rPr lang="en-US" dirty="0" err="1" smtClean="0">
+                <a:solidFill>
+                  <a:srgbClr val="FF0000"/>
+                </a:solidFill>
+              </a:rPr>
+              <a:t>Kiran</a:t>
+            </a:r>
+            <a:r>
+              <a:rPr lang="en-US" dirty="0" smtClean="0"/>
+              <a:t/>
+            </a:r>
+            <a:br>
+              <a:rPr lang="en-US" dirty="0" smtClean="0"/>
+            </a:br>
+            <a:endParaRPr lang="en-US" dirty="0" smtClean="0"/>
+          </a:p>
+          <a:p>
+            <a:pPr marL="514350" indent="-514350">
+              <a:buFont typeface="+mj-lt"/>
+              <a:buAutoNum type="arabicPeriod"/>
+            </a:pPr>
+            <a:r>
+              <a:rPr lang="en-US" dirty="0" smtClean="0"/>
+              <a:t>Code Red Worm – 2001</a:t>
+            </a:r>
+            <a:br>
+              <a:rPr lang="en-US" dirty="0" smtClean="0"/>
+            </a:br>
+            <a:endParaRPr lang="en-US" dirty="0" smtClean="0"/>
+          </a:p>
+          <a:p>
+            <a:pPr marL="514350" indent="-514350">
+              <a:buFont typeface="+mj-lt"/>
+              <a:buAutoNum type="arabicPeriod"/>
+            </a:pPr>
+            <a:r>
+              <a:rPr lang="en-US" dirty="0" smtClean="0"/>
+              <a:t>Slammer Worm – 2003</a:t>
+            </a:r>
+            <a:br>
+              <a:rPr lang="en-US" dirty="0" smtClean="0"/>
+            </a:br>
+            <a:endParaRPr lang="en-US" dirty="0" smtClean="0"/>
+          </a:p>
+          <a:p>
+            <a:pPr marL="514350" indent="-514350">
+              <a:buFont typeface="+mj-lt"/>
+              <a:buAutoNum type="arabicPeriod"/>
+            </a:pPr>
+            <a:r>
+              <a:rPr lang="en-US" dirty="0" err="1" smtClean="0"/>
+              <a:t>SoBig.F</a:t>
+            </a:r>
+            <a:r>
+              <a:rPr lang="en-US" dirty="0" smtClean="0"/>
+              <a:t> Worm – 2003</a:t>
+            </a:r>
+            <a:br>
+              <a:rPr lang="en-US" dirty="0" smtClean="0"/>
+            </a:br>
+            <a:endParaRPr lang="en-US" dirty="0" smtClean="0"/>
+          </a:p>
+          <a:p>
+            <a:pPr marL="514350" indent="-514350">
+              <a:buFont typeface="+mj-lt"/>
+              <a:buAutoNum type="arabicPeriod"/>
+            </a:pPr>
+            <a:r>
+              <a:rPr lang="en-US" dirty="0" smtClean="0"/>
+              <a:t>My Doom Worm – 2004</a:t>
+            </a:r>
+            <a:br>
+              <a:rPr lang="en-US" dirty="0" smtClean="0"/>
+            </a:br>
+            <a:endParaRPr lang="en-US" dirty="0" smtClean="0"/>
+          </a:p>
+          <a:p>
+            <a:pPr marL="514350" indent="-514350">
+              <a:buFont typeface="+mj-lt"/>
+              <a:buAutoNum type="arabicPeriod"/>
+            </a:pPr>
+            <a:r>
+              <a:rPr lang="en-US" dirty="0" err="1" smtClean="0"/>
+              <a:t>Stuxnet</a:t>
+            </a:r>
+            <a:r>
+              <a:rPr lang="en-US" dirty="0" smtClean="0"/>
+              <a:t> Worm – 2010</a:t>
+            </a:r>
+            <a:br>
+              <a:rPr lang="en-US" dirty="0" smtClean="0"/>
+            </a:br>
+            <a:endParaRPr lang="en-US" dirty="0" smtClean="0"/>
+          </a:p>
+          <a:p>
+            <a:pPr marL="514350" indent="-514350">
+              <a:buFont typeface="+mj-lt"/>
+              <a:buAutoNum type="arabicPeriod"/>
+            </a:pPr>
+            <a:r>
+              <a:rPr lang="en-US" dirty="0" err="1" smtClean="0"/>
+              <a:t>Cryptolocker</a:t>
+            </a:r>
+            <a:r>
+              <a:rPr lang="en-US" dirty="0" smtClean="0"/>
+              <a:t> Trojan – 2013 - </a:t>
+            </a:r>
+            <a:r>
+              <a:rPr lang="en-US" dirty="0" smtClean="0">
+                <a:solidFill>
+                  <a:srgbClr val="FF0000"/>
+                </a:solidFill>
+              </a:rPr>
+              <a:t>Rahul</a:t>
+            </a:r>
+            <a:r>
+              <a:rPr lang="en-US" dirty="0" smtClean="0"/>
+              <a:t/>
+            </a:r>
+            <a:br>
+              <a:rPr lang="en-US" dirty="0" smtClean="0"/>
+            </a:br>
+            <a:endParaRPr lang="en-US" dirty="0" smtClean="0"/>
+          </a:p>
+          <a:p>
+            <a:pPr marL="514350" indent="-514350">
+              <a:buFont typeface="+mj-lt"/>
+              <a:buAutoNum type="arabicPeriod"/>
+            </a:pPr>
+            <a:r>
+              <a:rPr lang="en-US" dirty="0" err="1" smtClean="0"/>
+              <a:t>ZeroAccess</a:t>
+            </a:r>
+            <a:r>
+              <a:rPr lang="en-US" dirty="0" smtClean="0"/>
+              <a:t> Botnet – 2013 - </a:t>
+            </a:r>
+            <a:r>
+              <a:rPr lang="en-US" dirty="0" smtClean="0">
+                <a:solidFill>
+                  <a:srgbClr val="FF0000"/>
+                </a:solidFill>
+              </a:rPr>
+              <a:t>Daniel</a:t>
+            </a:r>
+            <a:r>
+              <a:rPr lang="en-US" dirty="0" smtClean="0"/>
+              <a:t/>
+            </a:r>
+            <a:br>
+              <a:rPr lang="en-US" dirty="0" smtClean="0"/>
+            </a:br>
+            <a:endParaRPr lang="en-US" dirty="0" smtClean="0"/>
+          </a:p>
+          <a:p>
+            <a:pPr marL="514350" indent="-514350">
+              <a:buFont typeface="+mj-lt"/>
+              <a:buAutoNum type="arabicPeriod"/>
+            </a:pPr>
+            <a:r>
+              <a:rPr lang="en-US" dirty="0" err="1" smtClean="0"/>
+              <a:t>Superfish</a:t>
+            </a:r>
+            <a:r>
+              <a:rPr lang="en-US" dirty="0" smtClean="0"/>
+              <a:t> Adware – 2014 - </a:t>
+            </a:r>
+            <a:r>
+              <a:rPr lang="en-US" dirty="0" smtClean="0">
+                <a:solidFill>
+                  <a:srgbClr val="FF0000"/>
+                </a:solidFill>
+              </a:rPr>
+              <a:t>Antonio</a:t>
+            </a:r>
+            <a:r>
+              <a:rPr lang="en-US" dirty="0" smtClean="0"/>
+              <a:t/>
+            </a:r>
+            <a:br>
+              <a:rPr lang="en-US" dirty="0" smtClean="0"/>
+            </a:br>
+            <a:endParaRPr lang="en-US" dirty="0" smtClean="0"/>
+          </a:p>
+          <a:p>
+            <a:pPr marL="514350" indent="-514350">
+              <a:buFont typeface="+mj-lt"/>
+              <a:buAutoNum type="arabicPeriod"/>
+            </a:pPr>
+            <a:r>
+              <a:rPr lang="en-US" dirty="0" err="1" smtClean="0"/>
+              <a:t>Locky</a:t>
+            </a:r>
+            <a:r>
+              <a:rPr lang="en-US" dirty="0" smtClean="0"/>
+              <a:t> </a:t>
+            </a:r>
+            <a:r>
+              <a:rPr lang="en-US" dirty="0" err="1" smtClean="0"/>
+              <a:t>Ransomware</a:t>
+            </a:r>
+            <a:r>
+              <a:rPr lang="en-US" dirty="0" smtClean="0"/>
+              <a:t> – 2016</a:t>
+            </a:r>
+            <a:br>
+              <a:rPr lang="en-US" dirty="0" smtClean="0"/>
+            </a:br>
+            <a:endParaRPr lang="en-US" dirty="0" smtClean="0"/>
+          </a:p>
+          <a:p>
+            <a:pPr marL="514350" indent="-514350">
+              <a:buFont typeface="+mj-lt"/>
+              <a:buAutoNum type="arabicPeriod"/>
+            </a:pPr>
+            <a:r>
+              <a:rPr lang="en-US" dirty="0" err="1" smtClean="0"/>
+              <a:t>WannaCry</a:t>
+            </a:r>
+            <a:r>
+              <a:rPr lang="en-US" dirty="0" smtClean="0"/>
+              <a:t> </a:t>
+            </a:r>
+            <a:r>
+              <a:rPr lang="en-US" dirty="0" err="1" smtClean="0"/>
+              <a:t>Ransomware</a:t>
+            </a:r>
+            <a:r>
+              <a:rPr lang="en-US" dirty="0" smtClean="0"/>
+              <a:t> – 2017 - </a:t>
+            </a:r>
+            <a:r>
+              <a:rPr lang="en-US" dirty="0" smtClean="0">
+                <a:solidFill>
+                  <a:srgbClr val="FF0000"/>
+                </a:solidFill>
+              </a:rPr>
+              <a:t>Calvin</a:t>
+            </a:r>
+          </a:p>
+          <a:p>
+            <a:endParaRPr lang="en-US" dirty="0"/>
+          </a:p>
+        </p:txBody>
+      </p:sp>
+    </p:spTree>
+    <p:extLst>
+      <p:ext uri="{BB962C8B-B14F-4D97-AF65-F5344CB8AC3E}">
+        <p14:creationId xmlns:p14="http://schemas.microsoft.com/office/powerpoint/2010/main" val="844948660"/>
+      </p:ext>
+    </p:extLst>
+  </p:cSld>
+  <p:clrMapOvr>
+    <a:masterClrMapping/>
+  </p:clrMapOvr>
+</p:sld>
+</file>
+
+<file path=ppt/slides/slide4.xml><?xml version="1.0" encoding="utf-8"?>
 <p:sld xmlns:a="http://schemas.openxmlformats.org/drawingml/2006/main" xmlns:r="http://schemas.openxmlformats.org/officeDocument/2006/relationships" xmlns:p="http://schemas.openxmlformats.org/presentationml/2006/main">
   <p:cSld>
     <p:spTree>
@@ -3587,7 +4491,7 @@
 </p:sld>
 </file>
 
-<file path=ppt/slides/slide4.xml><?xml version="1.0" encoding="utf-8"?>
+<file path=ppt/slides/slide5.xml><?xml version="1.0" encoding="utf-8"?>
 <p:sld xmlns:a="http://schemas.openxmlformats.org/drawingml/2006/main" xmlns:r="http://schemas.openxmlformats.org/officeDocument/2006/relationships" xmlns:p="http://schemas.openxmlformats.org/presentationml/2006/main">
   <p:cSld>
     <p:spTree>
@@ -3797,7 +4701,7 @@
 </p:sld>
 </file>
 
-<file path=ppt/slides/slide5.xml><?xml version="1.0" encoding="utf-8"?>
+<file path=ppt/slides/slide6.xml><?xml version="1.0" encoding="utf-8"?>
 <p:sld xmlns:a="http://schemas.openxmlformats.org/drawingml/2006/main" xmlns:r="http://schemas.openxmlformats.org/officeDocument/2006/relationships" xmlns:p="http://schemas.openxmlformats.org/presentationml/2006/main">
   <p:cSld>
     <p:spTree>
@@ -4023,7 +4927,7 @@
 </p:sld>
 </file>
 
-<file path=ppt/slides/slide6.xml><?xml version="1.0" encoding="utf-8"?>
+<file path=ppt/slides/slide7.xml><?xml version="1.0" encoding="utf-8"?>
 <p:sld xmlns:a="http://schemas.openxmlformats.org/drawingml/2006/main" xmlns:r="http://schemas.openxmlformats.org/officeDocument/2006/relationships" xmlns:p="http://schemas.openxmlformats.org/presentationml/2006/main">
   <p:cSld>
     <p:spTree>
@@ -4211,7 +5115,7 @@
         <p:spPr>
           <a:xfrm>
             <a:off x="5562600" y="4985583"/>
-            <a:ext cx="1678601" cy="369332"/>
+            <a:ext cx="1676998" cy="369332"/>
           </a:xfrm>
           <a:prstGeom prst="rect">
             <a:avLst/>
@@ -4226,7 +5130,11 @@
           <a:p>
             <a:r>
               <a:rPr lang="en-CA" dirty="0" smtClean="0"/>
-              <a:t>SUXTNET Worm</a:t>
+              <a:t>STUXNET </a:t>
+            </a:r>
+            <a:r>
+              <a:rPr lang="en-CA" dirty="0" smtClean="0"/>
+              <a:t>Worm</a:t>
             </a:r>
             <a:endParaRPr lang="en-US" dirty="0"/>
           </a:p>
@@ -4252,7 +5160,7 @@
 </p:sld>
 </file>
 
-<file path=ppt/slides/slide7.xml><?xml version="1.0" encoding="utf-8"?>
+<file path=ppt/slides/slide8.xml><?xml version="1.0" encoding="utf-8"?>
 <p:sld xmlns:a="http://schemas.openxmlformats.org/drawingml/2006/main" xmlns:r="http://schemas.openxmlformats.org/officeDocument/2006/relationships" xmlns:p="http://schemas.openxmlformats.org/presentationml/2006/main">
   <p:cSld>
     <p:spTree>
